--- a/trunk/Documents/Slide_GC0501.pptx
+++ b/trunk/Documents/Slide_GC0501.pptx
@@ -18,8 +18,8 @@
     <p:sldId id="291" r:id="rId9"/>
     <p:sldId id="281" r:id="rId10"/>
     <p:sldId id="289" r:id="rId11"/>
-    <p:sldId id="292" r:id="rId12"/>
-    <p:sldId id="287" r:id="rId13"/>
+    <p:sldId id="287" r:id="rId12"/>
+    <p:sldId id="292" r:id="rId13"/>
     <p:sldId id="275" r:id="rId14"/>
     <p:sldId id="279" r:id="rId15"/>
   </p:sldIdLst>
@@ -370,6 +370,11 @@
         </p:txBody>
       </p:sp>
     </p:spTree>
+    <p:extLst>
+      <p:ext uri="{BB962C8B-B14F-4D97-AF65-F5344CB8AC3E}">
+        <p14:creationId xmlns:p14="http://schemas.microsoft.com/office/powerpoint/2010/main" val="2746580483"/>
+      </p:ext>
+    </p:extLst>
   </p:cSld>
   <p:clrMap bg1="lt1" tx1="dk1" bg2="lt2" tx2="dk2" accent1="accent1" accent2="accent2" accent3="accent3" accent4="accent4" accent5="accent5" accent6="accent6" hlink="hlink" folHlink="folHlink"/>
 </p:handoutMaster>
@@ -692,6 +697,11 @@
         </p:txBody>
       </p:sp>
     </p:spTree>
+    <p:extLst>
+      <p:ext uri="{BB962C8B-B14F-4D97-AF65-F5344CB8AC3E}">
+        <p14:creationId xmlns:p14="http://schemas.microsoft.com/office/powerpoint/2010/main" val="43841576"/>
+      </p:ext>
+    </p:extLst>
   </p:cSld>
   <p:clrMap bg1="lt1" tx1="dk1" bg2="lt2" tx2="dk2" accent1="accent1" accent2="accent2" accent3="accent3" accent4="accent4" accent5="accent5" accent6="accent6" hlink="hlink" folHlink="folHlink"/>
   <p:notesStyle>
@@ -5767,11 +5777,7 @@
             </a:r>
             <a:r>
               <a:rPr lang="en-US" sz="2000" b="1" dirty="0" smtClean="0"/>
-              <a:t> </a:t>
-            </a:r>
-            <a:r>
-              <a:rPr lang="en-US" sz="2000" b="1" dirty="0" smtClean="0"/>
-              <a:t>Minh </a:t>
+              <a:t> Minh </a:t>
             </a:r>
             <a:r>
               <a:rPr lang="en-US" sz="2000" b="1" dirty="0" err="1" smtClean="0"/>
@@ -5858,11 +5864,7 @@
             <a:pPr lvl="2"/>
             <a:r>
               <a:rPr lang="en-US" sz="1600" dirty="0" err="1" smtClean="0"/>
-              <a:t>M</a:t>
-            </a:r>
-            <a:r>
-              <a:rPr lang="en-US" sz="1600" dirty="0" err="1" smtClean="0"/>
-              <a:t>odul</a:t>
+              <a:t>Modul</a:t>
             </a:r>
             <a:r>
               <a:rPr lang="en-US" sz="1600" dirty="0" smtClean="0"/>
@@ -5924,7 +5926,6 @@
               <a:rPr lang="en-US" sz="1600" dirty="0" smtClean="0"/>
               <a:t>.</a:t>
             </a:r>
-            <a:endParaRPr lang="en-US" sz="1600" dirty="0" smtClean="0"/>
           </a:p>
           <a:p>
             <a:pPr lvl="1"/>
@@ -6091,7 +6092,6 @@
               <a:rPr lang="en-US" sz="1600" dirty="0" smtClean="0"/>
               <a:t>.</a:t>
             </a:r>
-            <a:endParaRPr lang="en-US" sz="1600" dirty="0" smtClean="0"/>
           </a:p>
           <a:p>
             <a:pPr lvl="1"/>
@@ -6119,7 +6119,6 @@
               <a:rPr lang="en-US" sz="2000" b="1" dirty="0" smtClean="0"/>
               <a:t>:</a:t>
             </a:r>
-            <a:endParaRPr lang="en-US" sz="2000" b="1" dirty="0" smtClean="0"/>
           </a:p>
           <a:p>
             <a:pPr lvl="2"/>
@@ -6301,7 +6300,6 @@
               <a:rPr lang="en-US" sz="1600" dirty="0" smtClean="0"/>
               <a:t>.</a:t>
             </a:r>
-            <a:endParaRPr lang="en-US" sz="1600" dirty="0" smtClean="0"/>
           </a:p>
           <a:p>
             <a:pPr lvl="1"/>
@@ -6329,7 +6327,6 @@
               <a:rPr lang="en-US" sz="2000" b="1" dirty="0" smtClean="0"/>
               <a:t>:</a:t>
             </a:r>
-            <a:endParaRPr lang="en-US" sz="2000" b="1" dirty="0" smtClean="0"/>
           </a:p>
           <a:p>
             <a:pPr lvl="2"/>
@@ -6778,51 +6775,7 @@
             </a:r>
             <a:r>
               <a:rPr lang="vi-VN" sz="2400" dirty="0" smtClean="0"/>
-              <a:t>T</a:t>
-            </a:r>
-            <a:r>
-              <a:rPr lang="vi-VN" sz="2400" dirty="0" smtClean="0"/>
-              <a:t>riển </a:t>
-            </a:r>
-            <a:r>
-              <a:rPr lang="vi-VN" sz="2400" dirty="0" smtClean="0"/>
-              <a:t>lãm thương mại lớn </a:t>
-            </a:r>
-            <a:r>
-              <a:rPr lang="vi-VN" sz="2400" dirty="0" smtClean="0"/>
-              <a:t>mở ra với </a:t>
-            </a:r>
-            <a:r>
-              <a:rPr lang="vi-VN" sz="2400" dirty="0" smtClean="0"/>
-              <a:t>mục đích quảng bá sản phẩm và công ty của họ. Các nhà tổ chức phải đối mặt với một số lượng lớn các </a:t>
-            </a:r>
-            <a:r>
-              <a:rPr lang="vi-VN" sz="2400" dirty="0" smtClean="0"/>
-              <a:t>thông tin sản phẩm, người dùng và hợp đồng.  </a:t>
-            </a:r>
-            <a:r>
-              <a:rPr lang="vi-VN" sz="2400" dirty="0" smtClean="0"/>
-              <a:t>Tuy nhiên để quản lý thông tin rất </a:t>
-            </a:r>
-            <a:r>
-              <a:rPr lang="vi-VN" sz="2400" dirty="0" smtClean="0"/>
-              <a:t>lớn </a:t>
-            </a:r>
-            <a:r>
-              <a:rPr lang="vi-VN" sz="2400" dirty="0" smtClean="0"/>
-              <a:t>của hệ thống dựa trên giấy </a:t>
-            </a:r>
-            <a:r>
-              <a:rPr lang="vi-VN" sz="2400" dirty="0" smtClean="0"/>
-              <a:t>thực sự là nhiệm vụ </a:t>
-            </a:r>
-            <a:r>
-              <a:rPr lang="vi-VN" sz="2400" dirty="0" smtClean="0"/>
-              <a:t>khó </a:t>
-            </a:r>
-            <a:r>
-              <a:rPr lang="vi-VN" sz="2400" dirty="0" smtClean="0"/>
-              <a:t>khăn. </a:t>
+              <a:t>Triển lãm thương mại lớn mở ra với mục đích quảng bá sản phẩm và công ty của họ. Các nhà tổ chức phải đối mặt với một số lượng lớn các thông tin sản phẩm, người dùng và hợp đồng.  Tuy nhiên để quản lý thông tin rất lớn của hệ thống dựa trên giấy thực sự là nhiệm vụ khó khăn. </a:t>
             </a:r>
           </a:p>
           <a:p>
@@ -6834,7 +6787,6 @@
               <a:rPr lang="vi-VN" sz="2400" dirty="0" smtClean="0"/>
               <a:t>Chính vì vậy nhóm chúng tôi xin gửi đến các bạn chương trình “Hệ thống quản lý hội chợ” sẽ giúp quản lý thông tin một cách hiệu quả và dễ dàng nhất.</a:t>
             </a:r>
-            <a:endParaRPr lang="vi-VN" sz="2400" dirty="0" smtClean="0"/>
           </a:p>
           <a:p>
             <a:pPr algn="just">
@@ -6982,11 +6934,7 @@
             </a:r>
             <a:r>
               <a:rPr lang="en-US" sz="2400" dirty="0" smtClean="0"/>
-              <a:t> </a:t>
-            </a:r>
-            <a:r>
-              <a:rPr lang="en-US" sz="2400" dirty="0" smtClean="0"/>
-              <a:t> </a:t>
+              <a:t>  </a:t>
             </a:r>
             <a:r>
               <a:rPr lang="en-US" sz="2400" dirty="0" err="1" smtClean="0"/>
@@ -7092,7 +7040,6 @@
               <a:rPr lang="en-US" sz="2400" dirty="0" smtClean="0"/>
               <a:t>, …</a:t>
             </a:r>
-            <a:endParaRPr lang="en-US" sz="2400" dirty="0" smtClean="0"/>
           </a:p>
           <a:p>
             <a:pPr lvl="1"/>
@@ -7201,20 +7148,16 @@
               <a:t> (</a:t>
             </a:r>
             <a:r>
-              <a:rPr lang="en-US" sz="2400" dirty="0" err="1" smtClean="0"/>
+              <a:rPr lang="en-US" sz="2400" err="1" smtClean="0"/>
               <a:t>đăng</a:t>
             </a:r>
             <a:r>
-              <a:rPr lang="en-US" sz="2400" dirty="0" smtClean="0"/>
-              <a:t> </a:t>
-            </a:r>
-            <a:r>
-              <a:rPr lang="en-US" sz="2400" dirty="0" err="1" smtClean="0"/>
-              <a:t>nhập</a:t>
-            </a:r>
-            <a:r>
-              <a:rPr lang="en-US" sz="2400" dirty="0" smtClean="0"/>
-              <a:t>,, </a:t>
+              <a:rPr lang="en-US" sz="2400" smtClean="0"/>
+              <a:t> </a:t>
+            </a:r>
+            <a:r>
+              <a:rPr lang="en-US" sz="2400" smtClean="0"/>
+              <a:t>nhập, </a:t>
             </a:r>
             <a:r>
               <a:rPr lang="en-US" sz="2400" dirty="0" err="1" smtClean="0"/>
@@ -7619,11 +7562,7 @@
           <a:p>
             <a:r>
               <a:rPr lang="fr-FR" sz="2400" b="1" dirty="0" smtClean="0"/>
-              <a:t>2</a:t>
-            </a:r>
-            <a:r>
-              <a:rPr lang="fr-FR" sz="2400" b="1" dirty="0" smtClean="0"/>
-              <a:t>. </a:t>
+              <a:t>2. </a:t>
             </a:r>
             <a:r>
               <a:rPr lang="fr-FR" sz="2400" b="1" dirty="0" err="1" smtClean="0"/>
@@ -7663,11 +7602,7 @@
             </a:r>
             <a:r>
               <a:rPr lang="fr-FR" sz="2400" b="1" dirty="0" smtClean="0"/>
-              <a:t> </a:t>
-            </a:r>
-            <a:r>
-              <a:rPr lang="fr-FR" sz="2400" b="1" dirty="0" smtClean="0"/>
-              <a:t>tin </a:t>
+              <a:t> tin </a:t>
             </a:r>
             <a:r>
               <a:rPr lang="fr-FR" sz="2400" b="1" dirty="0" err="1" smtClean="0"/>
@@ -7986,11 +7921,7 @@
           <a:p>
             <a:r>
               <a:rPr lang="fr-FR" sz="2200" b="1" dirty="0" smtClean="0"/>
-              <a:t>3</a:t>
-            </a:r>
-            <a:r>
-              <a:rPr lang="fr-FR" sz="2200" b="1" dirty="0" smtClean="0"/>
-              <a:t>.</a:t>
+              <a:t>3.</a:t>
             </a:r>
             <a:r>
               <a:rPr lang="fr-FR" sz="2200" dirty="0" smtClean="0"/>
@@ -8096,11 +8027,7 @@
           <a:p>
             <a:r>
               <a:rPr lang="fr-FR" sz="2200" b="1" dirty="0" smtClean="0"/>
-              <a:t>4</a:t>
-            </a:r>
-            <a:r>
-              <a:rPr lang="fr-FR" sz="2200" b="1" dirty="0" smtClean="0"/>
-              <a:t>. Cung </a:t>
+              <a:t>4. Cung </a:t>
             </a:r>
             <a:r>
               <a:rPr lang="fr-FR" sz="2200" b="1" dirty="0" err="1" smtClean="0"/>
@@ -8822,7 +8749,7 @@
         </p:nvSpPr>
         <p:spPr>
           <a:xfrm>
-            <a:off x="-71470" y="1928802"/>
+            <a:off x="-14287" y="1762472"/>
             <a:ext cx="7848600" cy="4114800"/>
           </a:xfrm>
           <a:noFill/>
@@ -8832,56 +8759,52 @@
           <a:lstStyle/>
           <a:p>
             <a:r>
-              <a:rPr lang="en-US" dirty="0" err="1" smtClean="0"/>
+              <a:rPr lang="en-US" sz="2800" dirty="0" err="1" smtClean="0"/>
               <a:t>Mô</a:t>
             </a:r>
             <a:r>
-              <a:rPr lang="en-US" dirty="0" smtClean="0"/>
-              <a:t> </a:t>
-            </a:r>
-            <a:r>
-              <a:rPr lang="en-US" dirty="0" err="1" smtClean="0"/>
+              <a:rPr lang="en-US" sz="2800" dirty="0" smtClean="0"/>
+              <a:t> </a:t>
+            </a:r>
+            <a:r>
+              <a:rPr lang="en-US" sz="2800" dirty="0" err="1" smtClean="0"/>
               <a:t>hình</a:t>
             </a:r>
             <a:r>
-              <a:rPr lang="en-US" dirty="0" smtClean="0"/>
-              <a:t> </a:t>
-            </a:r>
-            <a:r>
-              <a:rPr lang="en-US" dirty="0" err="1" smtClean="0"/>
+              <a:rPr lang="en-US" sz="2800" dirty="0" smtClean="0"/>
+              <a:t> </a:t>
+            </a:r>
+            <a:r>
+              <a:rPr lang="en-US" sz="2800" dirty="0" err="1" smtClean="0"/>
               <a:t>cơ</a:t>
             </a:r>
             <a:r>
-              <a:rPr lang="en-US" dirty="0" smtClean="0"/>
-              <a:t> </a:t>
-            </a:r>
-            <a:r>
-              <a:rPr lang="en-US" dirty="0" err="1" smtClean="0"/>
+              <a:rPr lang="en-US" sz="2800" dirty="0" smtClean="0"/>
+              <a:t> </a:t>
+            </a:r>
+            <a:r>
+              <a:rPr lang="en-US" sz="2800" dirty="0" err="1" smtClean="0"/>
               <a:t>sở</a:t>
             </a:r>
             <a:r>
-              <a:rPr lang="en-US" dirty="0" smtClean="0"/>
-              <a:t> </a:t>
-            </a:r>
-            <a:r>
-              <a:rPr lang="en-US" dirty="0" err="1" smtClean="0"/>
+              <a:rPr lang="en-US" sz="2800" dirty="0" smtClean="0"/>
+              <a:t> </a:t>
+            </a:r>
+            <a:r>
+              <a:rPr lang="en-US" sz="2800" dirty="0" err="1" smtClean="0"/>
               <a:t>dữ</a:t>
             </a:r>
             <a:r>
-              <a:rPr lang="en-US" dirty="0" smtClean="0"/>
-              <a:t> </a:t>
-            </a:r>
-            <a:r>
-              <a:rPr lang="en-US" dirty="0" err="1" smtClean="0"/>
+              <a:rPr lang="en-US" sz="2800" dirty="0" smtClean="0"/>
+              <a:t> </a:t>
+            </a:r>
+            <a:r>
+              <a:rPr lang="en-US" sz="2800" dirty="0" err="1" smtClean="0"/>
               <a:t>liệu</a:t>
             </a:r>
             <a:r>
-              <a:rPr lang="en-US" dirty="0" smtClean="0"/>
-              <a:t> </a:t>
-            </a:r>
-            <a:r>
-              <a:rPr lang="en-US" dirty="0" smtClean="0"/>
-              <a:t>– DBD</a:t>
+              <a:rPr lang="en-US" sz="2800" dirty="0" smtClean="0"/>
+              <a:t> – DBD</a:t>
             </a:r>
           </a:p>
           <a:p>
@@ -8988,6 +8911,70 @@
           </a:p>
         </p:txBody>
       </p:sp>
+      <p:pic>
+        <p:nvPicPr>
+          <p:cNvPr id="1027" name="Picture 3"/>
+          <p:cNvPicPr>
+            <a:picLocks noChangeAspect="1" noChangeArrowheads="1"/>
+          </p:cNvPicPr>
+          <p:nvPr/>
+        </p:nvPicPr>
+        <p:blipFill>
+          <a:blip r:embed="rId2">
+            <a:extLst>
+              <a:ext uri="{28A0092B-C50C-407E-A947-70E740481C1C}">
+                <a14:useLocalDpi xmlns:a14="http://schemas.microsoft.com/office/drawing/2010/main" val="0"/>
+              </a:ext>
+            </a:extLst>
+          </a:blip>
+          <a:srcRect/>
+          <a:stretch>
+            <a:fillRect/>
+          </a:stretch>
+        </p:blipFill>
+        <p:spPr bwMode="auto">
+          <a:xfrm>
+            <a:off x="1123950" y="2204864"/>
+            <a:ext cx="6896100" cy="4543425"/>
+          </a:xfrm>
+          <a:prstGeom prst="rect">
+            <a:avLst/>
+          </a:prstGeom>
+          <a:noFill/>
+          <a:ln>
+            <a:noFill/>
+          </a:ln>
+          <a:effectLst/>
+          <a:extLst>
+            <a:ext uri="{909E8E84-426E-40DD-AFC4-6F175D3DCCD1}">
+              <a14:hiddenFill xmlns:a14="http://schemas.microsoft.com/office/drawing/2010/main">
+                <a:solidFill>
+                  <a:schemeClr val="accent1"/>
+                </a:solidFill>
+              </a14:hiddenFill>
+            </a:ext>
+            <a:ext uri="{91240B29-F687-4F45-9708-019B960494DF}">
+              <a14:hiddenLine xmlns:a14="http://schemas.microsoft.com/office/drawing/2010/main" w="9525">
+                <a:solidFill>
+                  <a:schemeClr val="tx1"/>
+                </a:solidFill>
+                <a:miter lim="800000"/>
+                <a:headEnd/>
+                <a:tailEnd/>
+              </a14:hiddenLine>
+            </a:ext>
+            <a:ext uri="{AF507438-7753-43E0-B8FC-AC1667EBCBE1}">
+              <a14:hiddenEffects xmlns:a14="http://schemas.microsoft.com/office/drawing/2010/main">
+                <a:effectLst>
+                  <a:outerShdw dist="35921" dir="2700000" algn="ctr" rotWithShape="0">
+                    <a:schemeClr val="bg2"/>
+                  </a:outerShdw>
+                </a:effectLst>
+              </a14:hiddenEffects>
+            </a:ext>
+          </a:extLst>
+        </p:spPr>
+      </p:pic>
     </p:spTree>
   </p:cSld>
   <p:clrMapOvr>
@@ -9025,57 +9012,370 @@
       </p:grpSpPr>
       <p:sp>
         <p:nvSpPr>
-          <p:cNvPr id="2" name="Title 1"/>
-          <p:cNvSpPr>
-            <a:spLocks noGrp="1"/>
+          <p:cNvPr id="11266" name="Rectangle 2"/>
+          <p:cNvSpPr>
+            <a:spLocks noGrp="1" noChangeArrowheads="1"/>
           </p:cNvSpPr>
           <p:nvPr>
             <p:ph type="title"/>
           </p:nvPr>
         </p:nvSpPr>
-        <p:spPr/>
+        <p:spPr>
+          <a:noFill/>
+        </p:spPr>
         <p:txBody>
           <a:bodyPr/>
           <a:lstStyle/>
           <a:p>
-            <a:endParaRPr lang="vi-VN"/>
-          </a:p>
-        </p:txBody>
-      </p:sp>
-      <p:pic>
-        <p:nvPicPr>
-          <p:cNvPr id="4" name="Picture 2"/>
-          <p:cNvPicPr>
-            <a:picLocks noGrp="1" noChangeAspect="1" noChangeArrowheads="1"/>
-          </p:cNvPicPr>
+            <a:r>
+              <a:rPr lang="en-US" smtClean="0"/>
+              <a:t>Analyze</a:t>
+            </a:r>
+          </a:p>
+        </p:txBody>
+      </p:sp>
+      <p:sp>
+        <p:nvSpPr>
+          <p:cNvPr id="11267" name="Rectangle 3"/>
+          <p:cNvSpPr>
+            <a:spLocks noGrp="1" noChangeArrowheads="1"/>
+          </p:cNvSpPr>
           <p:nvPr>
-            <p:ph idx="1"/>
+            <p:ph type="body" idx="1"/>
           </p:nvPr>
-        </p:nvPicPr>
-        <p:blipFill>
-          <a:blip r:embed="rId2" cstate="print"/>
-          <a:srcRect/>
-          <a:stretch>
-            <a:fillRect/>
-          </a:stretch>
-        </p:blipFill>
+        </p:nvSpPr>
+        <p:spPr>
+          <a:xfrm>
+            <a:off x="142844" y="1928802"/>
+            <a:ext cx="8315356" cy="4167198"/>
+          </a:xfrm>
+          <a:noFill/>
+        </p:spPr>
+        <p:txBody>
+          <a:bodyPr/>
+          <a:lstStyle/>
+          <a:p>
+            <a:endParaRPr lang="en-US" sz="3600" b="1" dirty="0" smtClean="0"/>
+          </a:p>
+          <a:p>
+            <a:r>
+              <a:rPr lang="en-US" sz="3600" b="1" dirty="0" err="1" smtClean="0"/>
+              <a:t>Ưu</a:t>
+            </a:r>
+            <a:r>
+              <a:rPr lang="en-US" sz="3600" b="1" dirty="0" smtClean="0"/>
+              <a:t> </a:t>
+            </a:r>
+            <a:r>
+              <a:rPr lang="en-US" sz="3600" b="1" dirty="0" err="1" smtClean="0"/>
+              <a:t>điểm</a:t>
+            </a:r>
+            <a:r>
+              <a:rPr lang="en-US" sz="3600" b="1" dirty="0" smtClean="0"/>
+              <a:t> </a:t>
+            </a:r>
+            <a:r>
+              <a:rPr lang="en-US" sz="3600" b="1" dirty="0" err="1" smtClean="0"/>
+              <a:t>của</a:t>
+            </a:r>
+            <a:r>
+              <a:rPr lang="en-US" sz="3600" b="1" dirty="0" smtClean="0"/>
+              <a:t> </a:t>
+            </a:r>
+            <a:r>
+              <a:rPr lang="en-US" sz="3600" b="1" dirty="0" err="1" smtClean="0"/>
+              <a:t>đồ</a:t>
+            </a:r>
+            <a:r>
+              <a:rPr lang="en-US" sz="3600" b="1" dirty="0" smtClean="0"/>
+              <a:t> </a:t>
+            </a:r>
+            <a:r>
+              <a:rPr lang="en-US" sz="3600" b="1" dirty="0" err="1" smtClean="0"/>
+              <a:t>án</a:t>
+            </a:r>
+            <a:endParaRPr lang="en-US" sz="3600" b="1" dirty="0" smtClean="0"/>
+          </a:p>
+          <a:p>
+            <a:pPr lvl="1"/>
+            <a:r>
+              <a:rPr lang="en-US" dirty="0" err="1" smtClean="0"/>
+              <a:t>Giao</a:t>
+            </a:r>
+            <a:r>
+              <a:rPr lang="en-US" dirty="0" smtClean="0"/>
+              <a:t> </a:t>
+            </a:r>
+            <a:r>
+              <a:rPr lang="en-US" dirty="0" err="1" smtClean="0"/>
+              <a:t>diện</a:t>
+            </a:r>
+            <a:r>
+              <a:rPr lang="en-US" dirty="0" smtClean="0"/>
+              <a:t> </a:t>
+            </a:r>
+            <a:r>
+              <a:rPr lang="en-US" dirty="0" err="1" smtClean="0"/>
+              <a:t>hoàn</a:t>
+            </a:r>
+            <a:r>
+              <a:rPr lang="en-US" dirty="0" smtClean="0"/>
+              <a:t> </a:t>
+            </a:r>
+            <a:r>
+              <a:rPr lang="en-US" dirty="0" err="1" smtClean="0"/>
+              <a:t>toàn</a:t>
+            </a:r>
+            <a:r>
+              <a:rPr lang="en-US" dirty="0" smtClean="0"/>
+              <a:t> </a:t>
+            </a:r>
+            <a:r>
+              <a:rPr lang="en-US" dirty="0" err="1" smtClean="0"/>
+              <a:t>tự</a:t>
+            </a:r>
+            <a:r>
+              <a:rPr lang="en-US" dirty="0" smtClean="0"/>
+              <a:t> </a:t>
+            </a:r>
+            <a:r>
+              <a:rPr lang="en-US" err="1" smtClean="0"/>
+              <a:t>thiết</a:t>
+            </a:r>
+            <a:r>
+              <a:rPr lang="en-US" smtClean="0"/>
+              <a:t> </a:t>
+            </a:r>
+            <a:r>
+              <a:rPr lang="en-US" smtClean="0"/>
+              <a:t>kế.</a:t>
+            </a:r>
+          </a:p>
+          <a:p>
+            <a:pPr lvl="1"/>
+            <a:r>
+              <a:rPr lang="en-US" smtClean="0"/>
+              <a:t>Phần mềm thông minh và dễ dàng sử dụng</a:t>
+            </a:r>
+            <a:endParaRPr lang="en-US" dirty="0" smtClean="0"/>
+          </a:p>
+          <a:p>
+            <a:pPr lvl="1"/>
+            <a:r>
+              <a:rPr lang="en-US" dirty="0" err="1" smtClean="0"/>
+              <a:t>Sử</a:t>
+            </a:r>
+            <a:r>
+              <a:rPr lang="en-US" dirty="0" smtClean="0"/>
+              <a:t> </a:t>
+            </a:r>
+            <a:r>
+              <a:rPr lang="en-US" dirty="0" err="1" smtClean="0"/>
+              <a:t>dụng</a:t>
+            </a:r>
+            <a:r>
+              <a:rPr lang="en-US" dirty="0" smtClean="0"/>
+              <a:t> subversion, </a:t>
+            </a:r>
+            <a:r>
+              <a:rPr lang="en-US" dirty="0" err="1" smtClean="0"/>
+              <a:t>dễ</a:t>
+            </a:r>
+            <a:r>
+              <a:rPr lang="en-US" dirty="0" smtClean="0"/>
+              <a:t> </a:t>
+            </a:r>
+            <a:r>
+              <a:rPr lang="en-US" dirty="0" err="1" smtClean="0"/>
+              <a:t>dàng</a:t>
+            </a:r>
+            <a:r>
+              <a:rPr lang="en-US" dirty="0" smtClean="0"/>
+              <a:t> </a:t>
+            </a:r>
+            <a:r>
+              <a:rPr lang="en-US" dirty="0" err="1" smtClean="0"/>
+              <a:t>trong</a:t>
+            </a:r>
+            <a:r>
+              <a:rPr lang="en-US" dirty="0" smtClean="0"/>
+              <a:t> </a:t>
+            </a:r>
+            <a:r>
+              <a:rPr lang="en-US" dirty="0" err="1" smtClean="0"/>
+              <a:t>việc</a:t>
+            </a:r>
+            <a:r>
+              <a:rPr lang="en-US" dirty="0" smtClean="0"/>
+              <a:t> </a:t>
+            </a:r>
+            <a:r>
+              <a:rPr lang="en-US" dirty="0" err="1" smtClean="0"/>
+              <a:t>chia</a:t>
+            </a:r>
+            <a:r>
+              <a:rPr lang="en-US" dirty="0" smtClean="0"/>
+              <a:t> </a:t>
+            </a:r>
+            <a:r>
+              <a:rPr lang="en-US" dirty="0" err="1" smtClean="0"/>
+              <a:t>sẻ</a:t>
+            </a:r>
+            <a:r>
+              <a:rPr lang="en-US" dirty="0" smtClean="0"/>
+              <a:t> </a:t>
+            </a:r>
+            <a:r>
+              <a:rPr lang="en-US" dirty="0" err="1" smtClean="0"/>
+              <a:t>tài</a:t>
+            </a:r>
+            <a:r>
+              <a:rPr lang="en-US" dirty="0" smtClean="0"/>
+              <a:t> </a:t>
+            </a:r>
+            <a:r>
+              <a:rPr lang="en-US" dirty="0" err="1" smtClean="0"/>
+              <a:t>nguyên</a:t>
+            </a:r>
+            <a:r>
+              <a:rPr lang="en-US" dirty="0" smtClean="0"/>
+              <a:t> </a:t>
+            </a:r>
+            <a:r>
+              <a:rPr lang="en-US" dirty="0" err="1" smtClean="0"/>
+              <a:t>và</a:t>
+            </a:r>
+            <a:r>
+              <a:rPr lang="en-US" dirty="0" smtClean="0"/>
+              <a:t> </a:t>
+            </a:r>
+            <a:r>
+              <a:rPr lang="en-US" dirty="0" err="1" smtClean="0"/>
+              <a:t>làm</a:t>
+            </a:r>
+            <a:r>
+              <a:rPr lang="en-US" dirty="0" smtClean="0"/>
+              <a:t> </a:t>
+            </a:r>
+            <a:r>
+              <a:rPr lang="en-US" dirty="0" err="1" smtClean="0"/>
+              <a:t>việc</a:t>
+            </a:r>
+            <a:r>
+              <a:rPr lang="en-US" dirty="0" smtClean="0"/>
+              <a:t> </a:t>
+            </a:r>
+            <a:r>
+              <a:rPr lang="en-US" err="1" smtClean="0"/>
+              <a:t>nhóm</a:t>
+            </a:r>
+            <a:r>
+              <a:rPr lang="en-US" smtClean="0"/>
+              <a:t>.</a:t>
+            </a:r>
+          </a:p>
+          <a:p>
+            <a:pPr lvl="1"/>
+            <a:endParaRPr lang="en-US" dirty="0" smtClean="0"/>
+          </a:p>
+        </p:txBody>
+      </p:sp>
+      <p:sp>
+        <p:nvSpPr>
+          <p:cNvPr id="11270" name="WordArt 8"/>
+          <p:cNvSpPr>
+            <a:spLocks noChangeArrowheads="1" noChangeShapeType="1" noTextEdit="1"/>
+          </p:cNvSpPr>
+          <p:nvPr/>
+        </p:nvSpPr>
         <p:spPr bwMode="auto">
           <a:xfrm>
-            <a:off x="0" y="-1"/>
-            <a:ext cx="9144000" cy="6858983"/>
+            <a:off x="3733800" y="685800"/>
+            <a:ext cx="163513" cy="647700"/>
           </a:xfrm>
           <a:prstGeom prst="rect">
             <a:avLst/>
           </a:prstGeom>
-          <a:noFill/>
-          <a:ln w="9525">
-            <a:noFill/>
-            <a:miter lim="800000"/>
-            <a:headEnd/>
-            <a:tailEnd/>
-          </a:ln>
-        </p:spPr>
-      </p:pic>
+        </p:spPr>
+        <p:txBody>
+          <a:bodyPr wrap="none" fromWordArt="1">
+            <a:prstTxWarp prst="textPlain">
+              <a:avLst>
+                <a:gd name="adj" fmla="val 50000"/>
+              </a:avLst>
+            </a:prstTxWarp>
+          </a:bodyPr>
+          <a:lstStyle/>
+          <a:p>
+            <a:pPr algn="ctr"/>
+            <a:r>
+              <a:rPr lang="en-US" sz="3600" b="1" kern="10">
+                <a:ln w="47625">
+                  <a:solidFill>
+                    <a:srgbClr val="FF9900"/>
+                  </a:solidFill>
+                  <a:round/>
+                  <a:headEnd type="none" w="sm" len="sm"/>
+                  <a:tailEnd type="none" w="sm" len="sm"/>
+                </a:ln>
+                <a:solidFill>
+                  <a:srgbClr val="FFCC00"/>
+                </a:solidFill>
+                <a:latin typeface="Arial Rounded MT Bold"/>
+              </a:rPr>
+              <a:t>I</a:t>
+            </a:r>
+          </a:p>
+        </p:txBody>
+      </p:sp>
+      <p:sp>
+        <p:nvSpPr>
+          <p:cNvPr id="11271" name="WordArt 9"/>
+          <p:cNvSpPr>
+            <a:spLocks noChangeArrowheads="1" noChangeShapeType="1" noTextEdit="1"/>
+          </p:cNvSpPr>
+          <p:nvPr/>
+        </p:nvSpPr>
+        <p:spPr bwMode="auto">
+          <a:xfrm>
+            <a:off x="3886200" y="1066800"/>
+            <a:ext cx="838200" cy="377825"/>
+          </a:xfrm>
+          <a:prstGeom prst="rect">
+            <a:avLst/>
+          </a:prstGeom>
+        </p:spPr>
+        <p:txBody>
+          <a:bodyPr wrap="none" fromWordArt="1">
+            <a:prstTxWarp prst="textPlain">
+              <a:avLst>
+                <a:gd name="adj" fmla="val 50000"/>
+              </a:avLst>
+            </a:prstTxWarp>
+          </a:bodyPr>
+          <a:lstStyle/>
+          <a:p>
+            <a:pPr algn="ctr"/>
+            <a:r>
+              <a:rPr lang="en-US" sz="3600" b="1" kern="10">
+                <a:ln w="19050">
+                  <a:solidFill>
+                    <a:srgbClr val="FF9900"/>
+                  </a:solidFill>
+                  <a:round/>
+                  <a:headEnd type="none" w="sm" len="sm"/>
+                  <a:tailEnd type="none" w="sm" len="sm"/>
+                </a:ln>
+                <a:solidFill>
+                  <a:srgbClr val="FFCC00"/>
+                </a:solidFill>
+                <a:latin typeface="Arial Rounded MT Bold"/>
+              </a:rPr>
+              <a:t>mprove</a:t>
+            </a:r>
+          </a:p>
+        </p:txBody>
+      </p:sp>
     </p:spTree>
   </p:cSld>
   <p:clrMapOvr>
@@ -9084,6 +9384,13 @@
   <p:transition spd="med">
     <p:zoom/>
   </p:transition>
+  <p:timing>
+    <p:tnLst>
+      <p:par>
+        <p:cTn id="1" dur="indefinite" restart="never" nodeType="tmRoot"/>
+      </p:par>
+    </p:tnLst>
+  </p:timing>
 </p:sld>
 </file>
 
@@ -9153,36 +9460,12 @@
           </a:p>
           <a:p>
             <a:r>
-              <a:rPr lang="en-US" sz="3600" b="1" dirty="0" err="1" smtClean="0"/>
-              <a:t>Ưu</a:t>
-            </a:r>
-            <a:r>
-              <a:rPr lang="en-US" sz="3600" b="1" dirty="0" smtClean="0"/>
-              <a:t> </a:t>
-            </a:r>
-            <a:r>
-              <a:rPr lang="en-US" sz="3600" b="1" dirty="0" err="1" smtClean="0"/>
-              <a:t>điểm</a:t>
-            </a:r>
-            <a:r>
-              <a:rPr lang="en-US" sz="3600" b="1" dirty="0" smtClean="0"/>
-              <a:t> </a:t>
-            </a:r>
-            <a:r>
-              <a:rPr lang="en-US" sz="3600" b="1" dirty="0" err="1" smtClean="0"/>
-              <a:t>của</a:t>
-            </a:r>
-            <a:r>
-              <a:rPr lang="en-US" sz="3600" b="1" dirty="0" smtClean="0"/>
-              <a:t> </a:t>
-            </a:r>
-            <a:r>
-              <a:rPr lang="en-US" sz="3600" b="1" dirty="0" err="1" smtClean="0"/>
-              <a:t>đồ</a:t>
-            </a:r>
-            <a:r>
-              <a:rPr lang="en-US" sz="3600" b="1" dirty="0" smtClean="0"/>
-              <a:t> </a:t>
+              <a:rPr lang="en-US" sz="3600" b="1" smtClean="0"/>
+              <a:t>Những điều thu được từ </a:t>
+            </a:r>
+            <a:r>
+              <a:rPr lang="en-US" sz="3600" b="1" smtClean="0"/>
+              <a:t>đồ </a:t>
             </a:r>
             <a:r>
               <a:rPr lang="en-US" sz="3600" b="1" dirty="0" err="1" smtClean="0"/>
@@ -9193,172 +9476,38 @@
           <a:p>
             <a:pPr lvl="1"/>
             <a:r>
-              <a:rPr lang="en-US" dirty="0" err="1" smtClean="0"/>
-              <a:t>Giao</a:t>
-            </a:r>
-            <a:r>
-              <a:rPr lang="en-US" dirty="0" smtClean="0"/>
-              <a:t> </a:t>
-            </a:r>
-            <a:r>
-              <a:rPr lang="en-US" dirty="0" err="1" smtClean="0"/>
-              <a:t>diện</a:t>
-            </a:r>
-            <a:r>
-              <a:rPr lang="en-US" dirty="0" smtClean="0"/>
-              <a:t> </a:t>
-            </a:r>
-            <a:r>
-              <a:rPr lang="en-US" dirty="0" err="1" smtClean="0"/>
-              <a:t>hoàn</a:t>
-            </a:r>
-            <a:r>
-              <a:rPr lang="en-US" dirty="0" smtClean="0"/>
-              <a:t> </a:t>
-            </a:r>
-            <a:r>
-              <a:rPr lang="en-US" dirty="0" err="1" smtClean="0"/>
-              <a:t>toàn</a:t>
-            </a:r>
-            <a:r>
-              <a:rPr lang="en-US" dirty="0" smtClean="0"/>
-              <a:t> </a:t>
-            </a:r>
-            <a:r>
-              <a:rPr lang="en-US" dirty="0" err="1" smtClean="0"/>
-              <a:t>tự</a:t>
-            </a:r>
-            <a:r>
-              <a:rPr lang="en-US" dirty="0" smtClean="0"/>
-              <a:t> </a:t>
-            </a:r>
-            <a:r>
-              <a:rPr lang="en-US" dirty="0" err="1" smtClean="0"/>
-              <a:t>thiết</a:t>
-            </a:r>
-            <a:r>
-              <a:rPr lang="en-US" dirty="0" smtClean="0"/>
-              <a:t> </a:t>
-            </a:r>
-            <a:r>
-              <a:rPr lang="en-US" dirty="0" err="1" smtClean="0"/>
-              <a:t>kế</a:t>
+              <a:rPr lang="en-US" smtClean="0"/>
+              <a:t>Hiểu rõ hơn về ngôn ngữ Java.</a:t>
             </a:r>
             <a:endParaRPr lang="en-US" dirty="0" smtClean="0"/>
           </a:p>
           <a:p>
             <a:pPr lvl="1"/>
             <a:r>
-              <a:rPr lang="en-US" dirty="0" err="1" smtClean="0"/>
-              <a:t>Sử</a:t>
-            </a:r>
-            <a:r>
-              <a:rPr lang="en-US" dirty="0" smtClean="0"/>
-              <a:t> </a:t>
-            </a:r>
-            <a:r>
-              <a:rPr lang="en-US" dirty="0" err="1" smtClean="0"/>
-              <a:t>dụng</a:t>
-            </a:r>
-            <a:r>
-              <a:rPr lang="en-US" dirty="0" smtClean="0"/>
-              <a:t> subversion, </a:t>
-            </a:r>
-            <a:r>
-              <a:rPr lang="en-US" dirty="0" err="1" smtClean="0"/>
-              <a:t>dễ</a:t>
-            </a:r>
-            <a:r>
-              <a:rPr lang="en-US" dirty="0" smtClean="0"/>
-              <a:t> </a:t>
-            </a:r>
-            <a:r>
-              <a:rPr lang="en-US" dirty="0" err="1" smtClean="0"/>
-              <a:t>dàng</a:t>
-            </a:r>
-            <a:r>
-              <a:rPr lang="en-US" dirty="0" smtClean="0"/>
-              <a:t> </a:t>
-            </a:r>
-            <a:r>
-              <a:rPr lang="en-US" dirty="0" err="1" smtClean="0"/>
-              <a:t>trong</a:t>
-            </a:r>
-            <a:r>
-              <a:rPr lang="en-US" dirty="0" smtClean="0"/>
-              <a:t> </a:t>
-            </a:r>
-            <a:r>
-              <a:rPr lang="en-US" dirty="0" err="1" smtClean="0"/>
-              <a:t>việc</a:t>
-            </a:r>
-            <a:r>
-              <a:rPr lang="en-US" dirty="0" smtClean="0"/>
-              <a:t> </a:t>
-            </a:r>
-            <a:r>
-              <a:rPr lang="en-US" dirty="0" err="1" smtClean="0"/>
-              <a:t>chia</a:t>
-            </a:r>
-            <a:r>
-              <a:rPr lang="en-US" dirty="0" smtClean="0"/>
-              <a:t> </a:t>
-            </a:r>
-            <a:r>
-              <a:rPr lang="en-US" dirty="0" err="1" smtClean="0"/>
-              <a:t>sẻ</a:t>
-            </a:r>
-            <a:r>
-              <a:rPr lang="en-US" dirty="0" smtClean="0"/>
-              <a:t> </a:t>
-            </a:r>
-            <a:r>
-              <a:rPr lang="en-US" dirty="0" err="1" smtClean="0"/>
-              <a:t>tài</a:t>
-            </a:r>
-            <a:r>
-              <a:rPr lang="en-US" dirty="0" smtClean="0"/>
-              <a:t> </a:t>
-            </a:r>
-            <a:r>
-              <a:rPr lang="en-US" dirty="0" err="1" smtClean="0"/>
-              <a:t>nguyên</a:t>
-            </a:r>
-            <a:r>
-              <a:rPr lang="en-US" dirty="0" smtClean="0"/>
-              <a:t> </a:t>
-            </a:r>
-            <a:r>
-              <a:rPr lang="en-US" dirty="0" err="1" smtClean="0"/>
-              <a:t>và</a:t>
-            </a:r>
-            <a:r>
-              <a:rPr lang="en-US" dirty="0" smtClean="0"/>
-              <a:t> </a:t>
-            </a:r>
-            <a:r>
-              <a:rPr lang="en-US" dirty="0" err="1" smtClean="0"/>
-              <a:t>làm</a:t>
-            </a:r>
-            <a:r>
-              <a:rPr lang="en-US" dirty="0" smtClean="0"/>
-              <a:t> </a:t>
-            </a:r>
-            <a:r>
-              <a:rPr lang="en-US" dirty="0" err="1" smtClean="0"/>
-              <a:t>việc</a:t>
-            </a:r>
-            <a:r>
-              <a:rPr lang="en-US" dirty="0" smtClean="0"/>
-              <a:t> </a:t>
-            </a:r>
-            <a:r>
-              <a:rPr lang="en-US" dirty="0" err="1" smtClean="0"/>
+              <a:rPr lang="en-US" smtClean="0"/>
+              <a:t>Tăng khả năng làm việc </a:t>
+            </a:r>
+            <a:r>
+              <a:rPr lang="en-US" err="1" smtClean="0"/>
               <a:t>nhóm</a:t>
             </a:r>
             <a:r>
-              <a:rPr lang="en-US" dirty="0" smtClean="0"/>
+              <a:rPr lang="en-US" smtClean="0"/>
               <a:t>.</a:t>
+            </a:r>
+          </a:p>
+          <a:p>
+            <a:pPr lvl="1"/>
+            <a:r>
+              <a:rPr lang="en-US" smtClean="0"/>
+              <a:t>Có ý thức hơn trong công việc.</a:t>
+            </a:r>
+          </a:p>
+          <a:p>
+            <a:pPr lvl="1"/>
+            <a:r>
+              <a:rPr lang="en-US" smtClean="0"/>
+              <a:t>Phát huy được tính sáng tạo.</a:t>
             </a:r>
             <a:endParaRPr lang="en-US" dirty="0" smtClean="0"/>
           </a:p>
@@ -9461,6 +9610,11 @@
         </p:txBody>
       </p:sp>
     </p:spTree>
+    <p:extLst>
+      <p:ext uri="{BB962C8B-B14F-4D97-AF65-F5344CB8AC3E}">
+        <p14:creationId xmlns:p14="http://schemas.microsoft.com/office/powerpoint/2010/main" val="1257257645"/>
+      </p:ext>
+    </p:extLst>
   </p:cSld>
   <p:clrMapOvr>
     <a:masterClrMapping/>
@@ -10683,7 +10837,7 @@
 </file>
 
 <file path=customXml/item1.xml><?xml version="1.0" encoding="utf-8"?>
-<p:properties xmlns:p="http://schemas.microsoft.com/office/2006/metadata/properties" xmlns:xsi="http://www.w3.org/2001/XMLSchema-instance" xmlns:pc="http://schemas.microsoft.com/office/infopath/2007/PartnerControls"/>
+<ct:contentTypeSchema xmlns:ct="http://schemas.microsoft.com/office/2006/metadata/contentType" xmlns:ma="http://schemas.microsoft.com/office/2006/metadata/properties/metaAttributes" ct:_="" ma:_="" ma:contentTypeName="TemplateFile" ma:contentTypeID="0x0101006EDDDB5EE6D98C44930B742096920B300400F5B6D36B3EF94B4E9A635CDF2A18F5B8" ma:contentTypeVersion="33" ma:contentTypeDescription="Create a new document." ma:contentTypeScope="" ma:versionID="37d3ec2b48d53e45b233ad8f52fe1b11"/>
 </file>
 
 <file path=customXml/item2.xml><?xml version="1.0" encoding="utf-8"?>
@@ -10696,14 +10850,14 @@
 </file>
 
 <file path=customXml/item3.xml><?xml version="1.0" encoding="utf-8"?>
-<ct:contentTypeSchema xmlns:ct="http://schemas.microsoft.com/office/2006/metadata/contentType" xmlns:ma="http://schemas.microsoft.com/office/2006/metadata/properties/metaAttributes" ct:_="" ma:_="" ma:contentTypeName="TemplateFile" ma:contentTypeID="0x0101006EDDDB5EE6D98C44930B742096920B300400F5B6D36B3EF94B4E9A635CDF2A18F5B8" ma:contentTypeVersion="33" ma:contentTypeDescription="Create a new document." ma:contentTypeScope="" ma:versionID="37d3ec2b48d53e45b233ad8f52fe1b11"/>
+<p:properties xmlns:p="http://schemas.microsoft.com/office/2006/metadata/properties" xmlns:xsi="http://www.w3.org/2001/XMLSchema-instance" xmlns:pc="http://schemas.microsoft.com/office/infopath/2007/PartnerControls"/>
 </file>
 
 <file path=customXml/itemProps1.xml><?xml version="1.0" encoding="utf-8"?>
-<ds:datastoreItem xmlns:ds="http://schemas.openxmlformats.org/officeDocument/2006/customXml" ds:itemID="{57355324-171B-446B-8429-F1DC768490FF}">
+<ds:datastoreItem xmlns:ds="http://schemas.openxmlformats.org/officeDocument/2006/customXml" ds:itemID="{9B83D008-5B52-47A5-9B60-96C00D25C295}">
   <ds:schemaRefs>
-    <ds:schemaRef ds:uri="http://schemas.microsoft.com/office/2006/metadata/properties"/>
-    <ds:schemaRef ds:uri="http://schemas.microsoft.com/office/infopath/2007/PartnerControls"/>
+    <ds:schemaRef ds:uri="http://schemas.microsoft.com/office/2006/metadata/contentType"/>
+    <ds:schemaRef ds:uri="http://schemas.microsoft.com/office/2006/metadata/properties/metaAttributes"/>
   </ds:schemaRefs>
 </ds:datastoreItem>
 </file>
@@ -10717,10 +10871,10 @@
 </file>
 
 <file path=customXml/itemProps3.xml><?xml version="1.0" encoding="utf-8"?>
-<ds:datastoreItem xmlns:ds="http://schemas.openxmlformats.org/officeDocument/2006/customXml" ds:itemID="{9B83D008-5B52-47A5-9B60-96C00D25C295}">
+<ds:datastoreItem xmlns:ds="http://schemas.openxmlformats.org/officeDocument/2006/customXml" ds:itemID="{57355324-171B-446B-8429-F1DC768490FF}">
   <ds:schemaRefs>
-    <ds:schemaRef ds:uri="http://schemas.microsoft.com/office/2006/metadata/contentType"/>
-    <ds:schemaRef ds:uri="http://schemas.microsoft.com/office/2006/metadata/properties/metaAttributes"/>
+    <ds:schemaRef ds:uri="http://schemas.microsoft.com/office/2006/metadata/properties"/>
+    <ds:schemaRef ds:uri="http://schemas.microsoft.com/office/infopath/2007/PartnerControls"/>
   </ds:schemaRefs>
 </ds:datastoreItem>
 </file>